--- a/Semester 5/Cloud/Cloud доклад Чобану Артём I1902.pptx
+++ b/Semester 5/Cloud/Cloud доклад Чобану Артём I1902.pptx
@@ -14,6 +14,8 @@
     <p:sldId id="262" r:id="rId8"/>
     <p:sldId id="263" r:id="rId9"/>
     <p:sldId id="264" r:id="rId10"/>
+    <p:sldId id="266" r:id="rId11"/>
+    <p:sldId id="265" r:id="rId12"/>
   </p:sldIdLst>
   <p:sldSz cx="12192000" cy="6858000"/>
   <p:notesSz cx="6858000" cy="9144000"/>
@@ -842,7 +844,7 @@
           <a:p>
             <a:fld id="{48A87A34-81AB-432B-8DAE-1953F412C126}" type="datetimeFigureOut">
               <a:rPr lang="en-US" smtClean="0"/>
-              <a:t>12/5/2021</a:t>
+              <a:t>12/6/2021</a:t>
             </a:fld>
             <a:endParaRPr lang="en-US" dirty="0"/>
           </a:p>
@@ -1094,7 +1096,7 @@
             <a:fld id="{48A87A34-81AB-432B-8DAE-1953F412C126}" type="datetimeFigureOut">
               <a:rPr lang="en-US" smtClean="0"/>
               <a:pPr/>
-              <a:t>12/5/2021</a:t>
+              <a:t>12/6/2021</a:t>
             </a:fld>
             <a:endParaRPr lang="en-US" dirty="0"/>
           </a:p>
@@ -1410,7 +1412,7 @@
             <a:fld id="{48A87A34-81AB-432B-8DAE-1953F412C126}" type="datetimeFigureOut">
               <a:rPr lang="en-US" smtClean="0"/>
               <a:pPr/>
-              <a:t>12/5/2021</a:t>
+              <a:t>12/6/2021</a:t>
             </a:fld>
             <a:endParaRPr lang="en-US" dirty="0"/>
           </a:p>
@@ -1753,7 +1755,7 @@
             <a:fld id="{48A87A34-81AB-432B-8DAE-1953F412C126}" type="datetimeFigureOut">
               <a:rPr lang="en-US" smtClean="0"/>
               <a:pPr/>
-              <a:t>12/5/2021</a:t>
+              <a:t>12/6/2021</a:t>
             </a:fld>
             <a:endParaRPr lang="en-US" dirty="0"/>
           </a:p>
@@ -2069,7 +2071,7 @@
             <a:fld id="{48A87A34-81AB-432B-8DAE-1953F412C126}" type="datetimeFigureOut">
               <a:rPr lang="en-US" smtClean="0"/>
               <a:pPr/>
-              <a:t>12/5/2021</a:t>
+              <a:t>12/6/2021</a:t>
             </a:fld>
             <a:endParaRPr lang="en-US" dirty="0"/>
           </a:p>
@@ -2464,7 +2466,7 @@
             <a:fld id="{48A87A34-81AB-432B-8DAE-1953F412C126}" type="datetimeFigureOut">
               <a:rPr lang="en-US" smtClean="0"/>
               <a:pPr/>
-              <a:t>12/5/2021</a:t>
+              <a:t>12/6/2021</a:t>
             </a:fld>
             <a:endParaRPr lang="en-US" dirty="0"/>
           </a:p>
@@ -2635,7 +2637,7 @@
           <a:p>
             <a:fld id="{48A87A34-81AB-432B-8DAE-1953F412C126}" type="datetimeFigureOut">
               <a:rPr lang="en-US" smtClean="0"/>
-              <a:t>12/5/2021</a:t>
+              <a:t>12/6/2021</a:t>
             </a:fld>
             <a:endParaRPr lang="en-US" dirty="0"/>
           </a:p>
@@ -2815,7 +2817,7 @@
           <a:p>
             <a:fld id="{48A87A34-81AB-432B-8DAE-1953F412C126}" type="datetimeFigureOut">
               <a:rPr lang="en-US" smtClean="0"/>
-              <a:t>12/5/2021</a:t>
+              <a:t>12/6/2021</a:t>
             </a:fld>
             <a:endParaRPr lang="en-US" dirty="0"/>
           </a:p>
@@ -2991,7 +2993,7 @@
           <a:p>
             <a:fld id="{48A87A34-81AB-432B-8DAE-1953F412C126}" type="datetimeFigureOut">
               <a:rPr lang="en-US" smtClean="0"/>
-              <a:t>12/5/2021</a:t>
+              <a:t>12/6/2021</a:t>
             </a:fld>
             <a:endParaRPr lang="en-US" dirty="0"/>
           </a:p>
@@ -3238,7 +3240,7 @@
           <a:p>
             <a:fld id="{48A87A34-81AB-432B-8DAE-1953F412C126}" type="datetimeFigureOut">
               <a:rPr lang="en-US" smtClean="0"/>
-              <a:t>12/5/2021</a:t>
+              <a:t>12/6/2021</a:t>
             </a:fld>
             <a:endParaRPr lang="en-US" dirty="0"/>
           </a:p>
@@ -3470,7 +3472,7 @@
           <a:p>
             <a:fld id="{48A87A34-81AB-432B-8DAE-1953F412C126}" type="datetimeFigureOut">
               <a:rPr lang="en-US" smtClean="0"/>
-              <a:t>12/5/2021</a:t>
+              <a:t>12/6/2021</a:t>
             </a:fld>
             <a:endParaRPr lang="en-US" dirty="0"/>
           </a:p>
@@ -3844,7 +3846,7 @@
           <a:p>
             <a:fld id="{48A87A34-81AB-432B-8DAE-1953F412C126}" type="datetimeFigureOut">
               <a:rPr lang="en-US" smtClean="0"/>
-              <a:t>12/5/2021</a:t>
+              <a:t>12/6/2021</a:t>
             </a:fld>
             <a:endParaRPr lang="en-US" dirty="0"/>
           </a:p>
@@ -3967,7 +3969,7 @@
           <a:p>
             <a:fld id="{48A87A34-81AB-432B-8DAE-1953F412C126}" type="datetimeFigureOut">
               <a:rPr lang="en-US" smtClean="0"/>
-              <a:t>12/5/2021</a:t>
+              <a:t>12/6/2021</a:t>
             </a:fld>
             <a:endParaRPr lang="en-US" dirty="0"/>
           </a:p>
@@ -4062,7 +4064,7 @@
           <a:p>
             <a:fld id="{48A87A34-81AB-432B-8DAE-1953F412C126}" type="datetimeFigureOut">
               <a:rPr lang="en-US" smtClean="0"/>
-              <a:t>12/5/2021</a:t>
+              <a:t>12/6/2021</a:t>
             </a:fld>
             <a:endParaRPr lang="en-US" dirty="0"/>
           </a:p>
@@ -4317,7 +4319,7 @@
           <a:p>
             <a:fld id="{48A87A34-81AB-432B-8DAE-1953F412C126}" type="datetimeFigureOut">
               <a:rPr lang="en-US" smtClean="0"/>
-              <a:t>12/5/2021</a:t>
+              <a:t>12/6/2021</a:t>
             </a:fld>
             <a:endParaRPr lang="en-US" dirty="0"/>
           </a:p>
@@ -4580,7 +4582,7 @@
           <a:p>
             <a:fld id="{48A87A34-81AB-432B-8DAE-1953F412C126}" type="datetimeFigureOut">
               <a:rPr lang="en-US" smtClean="0"/>
-              <a:t>12/5/2021</a:t>
+              <a:t>12/6/2021</a:t>
             </a:fld>
             <a:endParaRPr lang="en-US" dirty="0"/>
           </a:p>
@@ -5324,7 +5326,7 @@
             <a:fld id="{48A87A34-81AB-432B-8DAE-1953F412C126}" type="datetimeFigureOut">
               <a:rPr lang="en-US" smtClean="0"/>
               <a:pPr/>
-              <a:t>12/5/2021</a:t>
+              <a:t>12/6/2021</a:t>
             </a:fld>
             <a:endParaRPr lang="en-US" dirty="0"/>
           </a:p>
@@ -5934,6 +5936,247 @@
 </p:sld>
 </file>
 
+<file path=ppt/slides/slide10.xml><?xml version="1.0" encoding="utf-8"?>
+<p:sld xmlns:a="http://schemas.openxmlformats.org/drawingml/2006/main" xmlns:r="http://schemas.openxmlformats.org/officeDocument/2006/relationships" xmlns:p="http://schemas.openxmlformats.org/presentationml/2006/main">
+  <p:cSld>
+    <p:spTree>
+      <p:nvGrpSpPr>
+        <p:cNvPr id="1" name=""/>
+        <p:cNvGrpSpPr/>
+        <p:nvPr/>
+      </p:nvGrpSpPr>
+      <p:grpSpPr>
+        <a:xfrm>
+          <a:off x="0" y="0"/>
+          <a:ext cx="0" cy="0"/>
+          <a:chOff x="0" y="0"/>
+          <a:chExt cx="0" cy="0"/>
+        </a:xfrm>
+      </p:grpSpPr>
+      <p:sp>
+        <p:nvSpPr>
+          <p:cNvPr id="2" name="Title 1">
+            <a:extLst>
+              <a:ext uri="{FF2B5EF4-FFF2-40B4-BE49-F238E27FC236}">
+                <a16:creationId xmlns:a16="http://schemas.microsoft.com/office/drawing/2014/main" id="{7D7B8530-7A0D-4E9E-A676-2179EB1592F0}"/>
+              </a:ext>
+            </a:extLst>
+          </p:cNvPr>
+          <p:cNvSpPr>
+            <a:spLocks noGrp="1"/>
+          </p:cNvSpPr>
+          <p:nvPr>
+            <p:ph type="title"/>
+          </p:nvPr>
+        </p:nvSpPr>
+        <p:spPr/>
+        <p:txBody>
+          <a:bodyPr/>
+          <a:lstStyle/>
+          <a:p>
+            <a:r>
+              <a:rPr lang="ru-RU" dirty="0"/>
+              <a:t>Вопросы</a:t>
+            </a:r>
+            <a:endParaRPr lang="en-US" dirty="0"/>
+          </a:p>
+        </p:txBody>
+      </p:sp>
+      <p:sp>
+        <p:nvSpPr>
+          <p:cNvPr id="3" name="Content Placeholder 2">
+            <a:extLst>
+              <a:ext uri="{FF2B5EF4-FFF2-40B4-BE49-F238E27FC236}">
+                <a16:creationId xmlns:a16="http://schemas.microsoft.com/office/drawing/2014/main" id="{205387FE-21D0-42FA-962C-2ADDB404EEA9}"/>
+              </a:ext>
+            </a:extLst>
+          </p:cNvPr>
+          <p:cNvSpPr>
+            <a:spLocks noGrp="1"/>
+          </p:cNvSpPr>
+          <p:nvPr>
+            <p:ph idx="1"/>
+          </p:nvPr>
+        </p:nvSpPr>
+        <p:spPr/>
+        <p:txBody>
+          <a:bodyPr/>
+          <a:lstStyle/>
+          <a:p>
+            <a:r>
+              <a:rPr lang="ru-RU" dirty="0"/>
+              <a:t>Что такое </a:t>
+            </a:r>
+            <a:r>
+              <a:rPr lang="en-US" dirty="0"/>
+              <a:t>middleware?</a:t>
+            </a:r>
+            <a:endParaRPr lang="ru-RU" dirty="0"/>
+          </a:p>
+          <a:p>
+            <a:r>
+              <a:rPr lang="ru-RU" dirty="0"/>
+              <a:t>Каким образом обеспечивается гибкость </a:t>
+            </a:r>
+            <a:r>
+              <a:rPr lang="en-US" dirty="0" err="1"/>
+              <a:t>middlware</a:t>
+            </a:r>
+            <a:r>
+              <a:rPr lang="en-US" dirty="0"/>
+              <a:t>?</a:t>
+            </a:r>
+          </a:p>
+          <a:p>
+            <a:r>
+              <a:rPr lang="ru-RU" dirty="0"/>
+              <a:t>Может ли компонент </a:t>
+            </a:r>
+            <a:r>
+              <a:rPr lang="en-US" dirty="0"/>
+              <a:t>middleware </a:t>
+            </a:r>
+            <a:r>
+              <a:rPr lang="ru-RU" dirty="0"/>
+              <a:t>прервать выполнение цепочки вызовов?</a:t>
+            </a:r>
+            <a:endParaRPr lang="en-US" dirty="0"/>
+          </a:p>
+        </p:txBody>
+      </p:sp>
+    </p:spTree>
+    <p:extLst>
+      <p:ext uri="{BB962C8B-B14F-4D97-AF65-F5344CB8AC3E}">
+        <p14:creationId xmlns:p14="http://schemas.microsoft.com/office/powerpoint/2010/main" val="974641353"/>
+      </p:ext>
+    </p:extLst>
+  </p:cSld>
+  <p:clrMapOvr>
+    <a:masterClrMapping/>
+  </p:clrMapOvr>
+</p:sld>
+</file>
+
+<file path=ppt/slides/slide11.xml><?xml version="1.0" encoding="utf-8"?>
+<p:sld xmlns:a="http://schemas.openxmlformats.org/drawingml/2006/main" xmlns:r="http://schemas.openxmlformats.org/officeDocument/2006/relationships" xmlns:p="http://schemas.openxmlformats.org/presentationml/2006/main">
+  <p:cSld>
+    <p:spTree>
+      <p:nvGrpSpPr>
+        <p:cNvPr id="1" name=""/>
+        <p:cNvGrpSpPr/>
+        <p:nvPr/>
+      </p:nvGrpSpPr>
+      <p:grpSpPr>
+        <a:xfrm>
+          <a:off x="0" y="0"/>
+          <a:ext cx="0" cy="0"/>
+          <a:chOff x="0" y="0"/>
+          <a:chExt cx="0" cy="0"/>
+        </a:xfrm>
+      </p:grpSpPr>
+      <p:sp>
+        <p:nvSpPr>
+          <p:cNvPr id="2" name="Title 1">
+            <a:extLst>
+              <a:ext uri="{FF2B5EF4-FFF2-40B4-BE49-F238E27FC236}">
+                <a16:creationId xmlns:a16="http://schemas.microsoft.com/office/drawing/2014/main" id="{7BB64775-328F-4A7B-B8DA-C78E7DFA30EA}"/>
+              </a:ext>
+            </a:extLst>
+          </p:cNvPr>
+          <p:cNvSpPr>
+            <a:spLocks noGrp="1"/>
+          </p:cNvSpPr>
+          <p:nvPr>
+            <p:ph type="title"/>
+          </p:nvPr>
+        </p:nvSpPr>
+        <p:spPr/>
+        <p:txBody>
+          <a:bodyPr/>
+          <a:lstStyle/>
+          <a:p>
+            <a:r>
+              <a:rPr lang="ru-RU" dirty="0"/>
+              <a:t>Библиография</a:t>
+            </a:r>
+            <a:endParaRPr lang="en-US" dirty="0"/>
+          </a:p>
+        </p:txBody>
+      </p:sp>
+      <p:sp>
+        <p:nvSpPr>
+          <p:cNvPr id="3" name="Content Placeholder 2">
+            <a:extLst>
+              <a:ext uri="{FF2B5EF4-FFF2-40B4-BE49-F238E27FC236}">
+                <a16:creationId xmlns:a16="http://schemas.microsoft.com/office/drawing/2014/main" id="{EAAF0BD6-ADB4-449C-93B0-AE3E71D26B74}"/>
+              </a:ext>
+            </a:extLst>
+          </p:cNvPr>
+          <p:cNvSpPr>
+            <a:spLocks noGrp="1"/>
+          </p:cNvSpPr>
+          <p:nvPr>
+            <p:ph idx="1"/>
+          </p:nvPr>
+        </p:nvSpPr>
+        <p:spPr/>
+        <p:txBody>
+          <a:bodyPr/>
+          <a:lstStyle/>
+          <a:p>
+            <a:r>
+              <a:rPr lang="en-US" dirty="0">
+                <a:hlinkClick r:id="rId2"/>
+              </a:rPr>
+              <a:t>https://docs.microsoft.com/en-us/aspnet/core/fundamentals/middleware/?view=aspnetcore-6.0</a:t>
+            </a:r>
+            <a:endParaRPr lang="ru-RU" dirty="0"/>
+          </a:p>
+          <a:p>
+            <a:r>
+              <a:rPr lang="en-US" dirty="0">
+                <a:hlinkClick r:id="rId3"/>
+              </a:rPr>
+              <a:t>https://habr.com/ru/company/otus/blog/528692/</a:t>
+            </a:r>
+            <a:endParaRPr lang="en-US" dirty="0"/>
+          </a:p>
+          <a:p>
+            <a:r>
+              <a:rPr lang="en-US" dirty="0">
+                <a:hlinkClick r:id="rId4"/>
+              </a:rPr>
+              <a:t>https://metanit.com/sharp/aspnet5/2.4.php</a:t>
+            </a:r>
+            <a:endParaRPr lang="en-US" dirty="0"/>
+          </a:p>
+          <a:p>
+            <a:r>
+              <a:rPr lang="en-US" dirty="0">
+                <a:hlinkClick r:id="rId5"/>
+              </a:rPr>
+              <a:t>https://www.tutorialsteacher.com/core/aspnet-core-middleware</a:t>
+            </a:r>
+            <a:endParaRPr lang="en-US" dirty="0"/>
+          </a:p>
+          <a:p>
+            <a:endParaRPr lang="en-US" dirty="0"/>
+          </a:p>
+        </p:txBody>
+      </p:sp>
+    </p:spTree>
+    <p:extLst>
+      <p:ext uri="{BB962C8B-B14F-4D97-AF65-F5344CB8AC3E}">
+        <p14:creationId xmlns:p14="http://schemas.microsoft.com/office/powerpoint/2010/main" val="3852116414"/>
+      </p:ext>
+    </p:extLst>
+  </p:cSld>
+  <p:clrMapOvr>
+    <a:masterClrMapping/>
+  </p:clrMapOvr>
+</p:sld>
+</file>
+
 <file path=ppt/slides/slide2.xml><?xml version="1.0" encoding="utf-8"?>
 <p:sld xmlns:a="http://schemas.openxmlformats.org/drawingml/2006/main" xmlns:r="http://schemas.openxmlformats.org/officeDocument/2006/relationships" xmlns:p="http://schemas.openxmlformats.org/presentationml/2006/main">
   <p:cSld>
@@ -7027,13 +7270,8 @@
           <a:p>
             <a:r>
               <a:rPr lang="ru-RU" dirty="0"/>
-              <a:t>Механизм промежуточного ПО используется при взаимодействии нескольких приложений друг </a:t>
-            </a:r>
-            <a:r>
-              <a:rPr lang="ru-RU"/>
-              <a:t>с другом.</a:t>
-            </a:r>
-            <a:endParaRPr lang="ru-RU" dirty="0"/>
+              <a:t>Механизм промежуточного ПО используется при взаимодействии нескольких приложений друг с другом.</a:t>
+            </a:r>
           </a:p>
           <a:p>
             <a:r>
@@ -7042,7 +7280,15 @@
             </a:r>
             <a:r>
               <a:rPr lang="ru-RU" dirty="0"/>
-              <a:t>может быть использован не только в веб-приложениях, так как он является паттерном проектирования. Данный принцип можно использовать там где это необходимо.</a:t>
+              <a:t>может быть использован не только в </a:t>
+            </a:r>
+            <a:r>
+              <a:rPr lang="ru-RU"/>
+              <a:t>веб-приложениях. Данный </a:t>
+            </a:r>
+            <a:r>
+              <a:rPr lang="ru-RU" dirty="0"/>
+              <a:t>принцип можно использовать там где это необходимо.</a:t>
             </a:r>
             <a:endParaRPr lang="en-US" dirty="0"/>
           </a:p>

--- a/Semester 5/Cloud/Cloud доклад Чобану Артём I1902.pptx
+++ b/Semester 5/Cloud/Cloud доклад Чобану Артём I1902.pptx
@@ -5978,6 +5978,18 @@
               <a:rPr lang="ru-RU" dirty="0"/>
               <a:t>Вопросы</a:t>
             </a:r>
+            <a:r>
+              <a:rPr lang="en-US" dirty="0"/>
+              <a:t> </a:t>
+            </a:r>
+            <a:r>
+              <a:rPr lang="ru-RU" dirty="0"/>
+              <a:t>по </a:t>
+            </a:r>
+            <a:r>
+              <a:rPr lang="ru-RU" dirty="0" err="1"/>
+              <a:t>докдаду</a:t>
+            </a:r>
             <a:endParaRPr lang="en-US" dirty="0"/>
           </a:p>
         </p:txBody>
